--- a/trunk/doc/redis_cluster.pptx
+++ b/trunk/doc/redis_cluster.pptx
@@ -231,7 +231,7 @@
             <a:fld id="{22280FE6-A104-468D-880C-8FA3CB8840D3}" type="datetimeFigureOut">
               <a:rPr lang="zh-CN" altLang="en-US" smtClean="0"/>
               <a:pPr/>
-              <a:t>2015/5/27</a:t>
+              <a:t>2015/9/24</a:t>
             </a:fld>
             <a:endParaRPr lang="zh-CN" altLang="en-US"/>
           </a:p>
@@ -904,7 +904,7 @@
               <a:pPr>
                 <a:defRPr/>
               </a:pPr>
-              <a:t>2015/5/27</a:t>
+              <a:t>2015/9/24</a:t>
             </a:fld>
             <a:endParaRPr lang="zh-CN" altLang="en-US" sz="1200" dirty="0">
               <a:solidFill>
@@ -986,7 +986,7 @@
             <a:fld id="{8C5BEB32-F9B7-4A26-A503-E0A0BBE82DBD}" type="datetimeFigureOut">
               <a:rPr lang="zh-CN" altLang="en-US" smtClean="0"/>
               <a:pPr/>
-              <a:t>2015/5/27</a:t>
+              <a:t>2015/9/24</a:t>
             </a:fld>
             <a:endParaRPr lang="zh-CN" altLang="en-US"/>
           </a:p>
@@ -1076,7 +1076,7 @@
                 <a:tabLst/>
                 <a:defRPr/>
               </a:pPr>
-              <a:t>2015/5/27</a:t>
+              <a:t>2015/9/24</a:t>
             </a:fld>
             <a:endParaRPr kumimoji="0" lang="zh-CN" altLang="en-US" sz="1200" b="0" i="0" u="none" strike="noStrike" kern="1200" cap="none" spc="0" normalizeH="0" baseline="0" noProof="0" dirty="0">
               <a:ln>
@@ -1400,7 +1400,7 @@
                 <a:tabLst/>
                 <a:defRPr/>
               </a:pPr>
-              <a:t>2015/5/27</a:t>
+              <a:t>2015/9/24</a:t>
             </a:fld>
             <a:endParaRPr kumimoji="0" lang="zh-CN" altLang="en-US" sz="1200" b="0" i="0" u="none" strike="noStrike" kern="1200" cap="none" spc="0" normalizeH="0" baseline="0" noProof="0" dirty="0">
               <a:ln>
@@ -1969,7 +1969,7 @@
                 <a:tabLst/>
                 <a:defRPr/>
               </a:pPr>
-              <a:t>2015/5/27</a:t>
+              <a:t>2015/9/24</a:t>
             </a:fld>
             <a:endParaRPr kumimoji="0" lang="zh-CN" altLang="en-US" sz="1200" b="0" i="0" u="none" strike="noStrike" kern="1200" cap="none" spc="0" normalizeH="0" baseline="0" noProof="0" dirty="0">
               <a:ln>
@@ -2521,7 +2521,7 @@
                 <a:tabLst/>
                 <a:defRPr/>
               </a:pPr>
-              <a:t>2015/5/27</a:t>
+              <a:t>2015/9/24</a:t>
             </a:fld>
             <a:endParaRPr kumimoji="0" lang="zh-CN" altLang="en-US" sz="1200" b="0" i="0" u="none" strike="noStrike" kern="1200" cap="none" spc="0" normalizeH="0" baseline="0" noProof="0" dirty="0">
               <a:ln>
@@ -2787,7 +2787,7 @@
             <a:fld id="{8C5BEB32-F9B7-4A26-A503-E0A0BBE82DBD}" type="datetimeFigureOut">
               <a:rPr lang="zh-CN" altLang="en-US" smtClean="0"/>
               <a:pPr/>
-              <a:t>2015/5/27</a:t>
+              <a:t>2015/9/24</a:t>
             </a:fld>
             <a:endParaRPr lang="zh-CN" altLang="en-US"/>
           </a:p>
@@ -3027,7 +3027,7 @@
                 <a:tabLst/>
                 <a:defRPr/>
               </a:pPr>
-              <a:t>2015/5/27</a:t>
+              <a:t>2015/9/24</a:t>
             </a:fld>
             <a:endParaRPr kumimoji="0" lang="zh-CN" altLang="en-US" sz="1200" b="0" i="0" u="none" strike="noStrike" kern="1200" cap="none" spc="0" normalizeH="0" baseline="0" noProof="0" dirty="0">
               <a:ln>
@@ -3213,7 +3213,7 @@
             <a:fld id="{8C5BEB32-F9B7-4A26-A503-E0A0BBE82DBD}" type="datetimeFigureOut">
               <a:rPr lang="zh-CN" altLang="en-US" smtClean="0"/>
               <a:pPr/>
-              <a:t>2015/5/27</a:t>
+              <a:t>2015/9/24</a:t>
             </a:fld>
             <a:endParaRPr lang="zh-CN" altLang="en-US"/>
           </a:p>
@@ -3453,7 +3453,7 @@
                 <a:tabLst/>
                 <a:defRPr/>
               </a:pPr>
-              <a:t>2015/5/27</a:t>
+              <a:t>2015/9/24</a:t>
             </a:fld>
             <a:endParaRPr kumimoji="0" lang="zh-CN" altLang="en-US" sz="1200" b="0" i="0" u="none" strike="noStrike" kern="1200" cap="none" spc="0" normalizeH="0" baseline="0" noProof="0" dirty="0">
               <a:ln>
@@ -3615,7 +3615,7 @@
             <a:fld id="{8C5BEB32-F9B7-4A26-A503-E0A0BBE82DBD}" type="datetimeFigureOut">
               <a:rPr lang="zh-CN" altLang="en-US" smtClean="0"/>
               <a:pPr/>
-              <a:t>2015/5/27</a:t>
+              <a:t>2015/9/24</a:t>
             </a:fld>
             <a:endParaRPr lang="zh-CN" altLang="en-US"/>
           </a:p>
@@ -3956,7 +3956,7 @@
                 <a:tabLst/>
                 <a:defRPr/>
               </a:pPr>
-              <a:t>2015/5/27</a:t>
+              <a:t>2015/9/24</a:t>
             </a:fld>
             <a:endParaRPr kumimoji="0" lang="zh-CN" altLang="en-US" sz="1200" b="0" i="0" u="none" strike="noStrike" kern="1200" cap="none" spc="0" normalizeH="0" baseline="0" noProof="0" dirty="0">
               <a:ln>
@@ -4118,7 +4118,7 @@
             <a:fld id="{8C5BEB32-F9B7-4A26-A503-E0A0BBE82DBD}" type="datetimeFigureOut">
               <a:rPr lang="zh-CN" altLang="en-US" smtClean="0"/>
               <a:pPr/>
-              <a:t>2015/5/27</a:t>
+              <a:t>2015/9/24</a:t>
             </a:fld>
             <a:endParaRPr lang="zh-CN" altLang="en-US"/>
           </a:p>
@@ -4346,7 +4346,7 @@
                 <a:tabLst/>
                 <a:defRPr/>
               </a:pPr>
-              <a:t>2015/5/27</a:t>
+              <a:t>2015/9/24</a:t>
             </a:fld>
             <a:endParaRPr kumimoji="0" lang="zh-CN" altLang="en-US" sz="1200" b="0" i="0" u="none" strike="noStrike" kern="1200" cap="none" spc="0" normalizeH="0" baseline="0" noProof="0" dirty="0">
               <a:ln>
@@ -4651,7 +4651,7 @@
             <a:fld id="{8C5BEB32-F9B7-4A26-A503-E0A0BBE82DBD}" type="datetimeFigureOut">
               <a:rPr lang="zh-CN" altLang="en-US" smtClean="0"/>
               <a:pPr/>
-              <a:t>2015/5/27</a:t>
+              <a:t>2015/9/24</a:t>
             </a:fld>
             <a:endParaRPr lang="zh-CN" altLang="en-US"/>
           </a:p>
@@ -5269,7 +5269,7 @@
               <a:pPr>
                 <a:defRPr/>
               </a:pPr>
-              <a:t>2015/5/27</a:t>
+              <a:t>2015/9/24</a:t>
             </a:fld>
             <a:endParaRPr lang="zh-CN" altLang="en-US" sz="1200" dirty="0">
               <a:solidFill>
@@ -5417,7 +5417,7 @@
       </p:sp>
       <p:pic>
         <p:nvPicPr>
-          <p:cNvPr id="5" name="图片 4"/>
+          <p:cNvPr id="4" name="图片 3"/>
           <p:cNvPicPr>
             <a:picLocks noChangeAspect="1"/>
           </p:cNvPicPr>
@@ -5431,8 +5431,8 @@
         </p:blipFill>
         <p:spPr>
           <a:xfrm>
-            <a:off x="1331640" y="2276872"/>
-            <a:ext cx="6440311" cy="2997938"/>
+            <a:off x="1259632" y="2435018"/>
+            <a:ext cx="6480720" cy="3226229"/>
           </a:xfrm>
           <a:prstGeom prst="rect">
             <a:avLst/>
@@ -5722,7 +5722,7 @@
       </p:sp>
       <p:pic>
         <p:nvPicPr>
-          <p:cNvPr id="8" name="图片 7"/>
+          <p:cNvPr id="3" name="图片 2"/>
           <p:cNvPicPr>
             <a:picLocks noChangeAspect="1"/>
           </p:cNvPicPr>
@@ -5736,8 +5736,8 @@
         </p:blipFill>
         <p:spPr>
           <a:xfrm>
-            <a:off x="1331640" y="2276872"/>
-            <a:ext cx="6440311" cy="3925266"/>
+            <a:off x="781942" y="2363011"/>
+            <a:ext cx="7456788" cy="3773179"/>
           </a:xfrm>
           <a:prstGeom prst="rect">
             <a:avLst/>
@@ -11762,7 +11762,7 @@
         <a:srgbClr val="2F2F2F"/>
       </a:dk1>
       <a:lt1>
-        <a:sysClr val="window" lastClr="C0C0C0"/>
+        <a:sysClr val="window" lastClr="FFFFFF"/>
       </a:lt1>
       <a:dk2>
         <a:srgbClr val="5F5F5F"/>
@@ -12069,7 +12069,7 @@
         <a:sysClr val="windowText" lastClr="000000"/>
       </a:dk1>
       <a:lt1>
-        <a:sysClr val="window" lastClr="C0C0C0"/>
+        <a:sysClr val="window" lastClr="FFFFFF"/>
       </a:lt1>
       <a:dk2>
         <a:srgbClr val="1F497D"/>
